--- a/Dynamic Data Ingestion and Storage in HDFS.pptx
+++ b/Dynamic Data Ingestion and Storage in HDFS.pptx
@@ -12,7 +12,9 @@
     <p:sldId id="260" r:id="rId6"/>
     <p:sldId id="261" r:id="rId7"/>
     <p:sldId id="262" r:id="rId8"/>
-    <p:sldId id="263" r:id="rId9"/>
+    <p:sldId id="264" r:id="rId9"/>
+    <p:sldId id="265" r:id="rId10"/>
+    <p:sldId id="263" r:id="rId11"/>
   </p:sldIdLst>
   <p:sldSz cx="12192000" cy="6858000"/>
   <p:notesSz cx="6858000" cy="9144000"/>
@@ -268,7 +270,7 @@
           <a:p>
             <a:fld id="{E86D626C-3030-4643-ABCF-BB63D08BDEAE}" type="datetimeFigureOut">
               <a:rPr lang="en-IN" smtClean="0"/>
-              <a:t>24-08-2024</a:t>
+              <a:t>29-09-2024</a:t>
             </a:fld>
             <a:endParaRPr lang="en-IN"/>
           </a:p>
@@ -468,7 +470,7 @@
           <a:p>
             <a:fld id="{E86D626C-3030-4643-ABCF-BB63D08BDEAE}" type="datetimeFigureOut">
               <a:rPr lang="en-IN" smtClean="0"/>
-              <a:t>24-08-2024</a:t>
+              <a:t>29-09-2024</a:t>
             </a:fld>
             <a:endParaRPr lang="en-IN"/>
           </a:p>
@@ -678,7 +680,7 @@
           <a:p>
             <a:fld id="{E86D626C-3030-4643-ABCF-BB63D08BDEAE}" type="datetimeFigureOut">
               <a:rPr lang="en-IN" smtClean="0"/>
-              <a:t>24-08-2024</a:t>
+              <a:t>29-09-2024</a:t>
             </a:fld>
             <a:endParaRPr lang="en-IN"/>
           </a:p>
@@ -878,7 +880,7 @@
           <a:p>
             <a:fld id="{E86D626C-3030-4643-ABCF-BB63D08BDEAE}" type="datetimeFigureOut">
               <a:rPr lang="en-IN" smtClean="0"/>
-              <a:t>24-08-2024</a:t>
+              <a:t>29-09-2024</a:t>
             </a:fld>
             <a:endParaRPr lang="en-IN"/>
           </a:p>
@@ -1154,7 +1156,7 @@
           <a:p>
             <a:fld id="{E86D626C-3030-4643-ABCF-BB63D08BDEAE}" type="datetimeFigureOut">
               <a:rPr lang="en-IN" smtClean="0"/>
-              <a:t>24-08-2024</a:t>
+              <a:t>29-09-2024</a:t>
             </a:fld>
             <a:endParaRPr lang="en-IN"/>
           </a:p>
@@ -1422,7 +1424,7 @@
           <a:p>
             <a:fld id="{E86D626C-3030-4643-ABCF-BB63D08BDEAE}" type="datetimeFigureOut">
               <a:rPr lang="en-IN" smtClean="0"/>
-              <a:t>24-08-2024</a:t>
+              <a:t>29-09-2024</a:t>
             </a:fld>
             <a:endParaRPr lang="en-IN"/>
           </a:p>
@@ -1837,7 +1839,7 @@
           <a:p>
             <a:fld id="{E86D626C-3030-4643-ABCF-BB63D08BDEAE}" type="datetimeFigureOut">
               <a:rPr lang="en-IN" smtClean="0"/>
-              <a:t>24-08-2024</a:t>
+              <a:t>29-09-2024</a:t>
             </a:fld>
             <a:endParaRPr lang="en-IN"/>
           </a:p>
@@ -1979,7 +1981,7 @@
           <a:p>
             <a:fld id="{E86D626C-3030-4643-ABCF-BB63D08BDEAE}" type="datetimeFigureOut">
               <a:rPr lang="en-IN" smtClean="0"/>
-              <a:t>24-08-2024</a:t>
+              <a:t>29-09-2024</a:t>
             </a:fld>
             <a:endParaRPr lang="en-IN"/>
           </a:p>
@@ -2092,7 +2094,7 @@
           <a:p>
             <a:fld id="{E86D626C-3030-4643-ABCF-BB63D08BDEAE}" type="datetimeFigureOut">
               <a:rPr lang="en-IN" smtClean="0"/>
-              <a:t>24-08-2024</a:t>
+              <a:t>29-09-2024</a:t>
             </a:fld>
             <a:endParaRPr lang="en-IN"/>
           </a:p>
@@ -2405,7 +2407,7 @@
           <a:p>
             <a:fld id="{E86D626C-3030-4643-ABCF-BB63D08BDEAE}" type="datetimeFigureOut">
               <a:rPr lang="en-IN" smtClean="0"/>
-              <a:t>24-08-2024</a:t>
+              <a:t>29-09-2024</a:t>
             </a:fld>
             <a:endParaRPr lang="en-IN"/>
           </a:p>
@@ -2694,7 +2696,7 @@
           <a:p>
             <a:fld id="{E86D626C-3030-4643-ABCF-BB63D08BDEAE}" type="datetimeFigureOut">
               <a:rPr lang="en-IN" smtClean="0"/>
-              <a:t>24-08-2024</a:t>
+              <a:t>29-09-2024</a:t>
             </a:fld>
             <a:endParaRPr lang="en-IN"/>
           </a:p>
@@ -2937,7 +2939,7 @@
           <a:p>
             <a:fld id="{E86D626C-3030-4643-ABCF-BB63D08BDEAE}" type="datetimeFigureOut">
               <a:rPr lang="en-IN" smtClean="0"/>
-              <a:t>24-08-2024</a:t>
+              <a:t>29-09-2024</a:t>
             </a:fld>
             <a:endParaRPr lang="en-IN"/>
           </a:p>
@@ -3446,6 +3448,74 @@
 </p:sld>
 </file>
 
+<file path=ppt/slides/slide10.xml><?xml version="1.0" encoding="utf-8"?>
+<p:sld xmlns:a="http://schemas.openxmlformats.org/drawingml/2006/main" xmlns:r="http://schemas.openxmlformats.org/officeDocument/2006/relationships" xmlns:p="http://schemas.openxmlformats.org/presentationml/2006/main">
+  <p:cSld>
+    <p:spTree>
+      <p:nvGrpSpPr>
+        <p:cNvPr id="1" name=""/>
+        <p:cNvGrpSpPr/>
+        <p:nvPr/>
+      </p:nvGrpSpPr>
+      <p:grpSpPr>
+        <a:xfrm>
+          <a:off x="0" y="0"/>
+          <a:ext cx="0" cy="0"/>
+          <a:chOff x="0" y="0"/>
+          <a:chExt cx="0" cy="0"/>
+        </a:xfrm>
+      </p:grpSpPr>
+      <p:sp>
+        <p:nvSpPr>
+          <p:cNvPr id="3" name="Content Placeholder 2">
+            <a:extLst>
+              <a:ext uri="{FF2B5EF4-FFF2-40B4-BE49-F238E27FC236}">
+                <a16:creationId xmlns:a16="http://schemas.microsoft.com/office/drawing/2014/main" id="{B1E4AEA9-4DBC-C5D2-4413-DD493EAF4BD3}"/>
+              </a:ext>
+            </a:extLst>
+          </p:cNvPr>
+          <p:cNvSpPr>
+            <a:spLocks noGrp="1"/>
+          </p:cNvSpPr>
+          <p:nvPr>
+            <p:ph idx="1"/>
+          </p:nvPr>
+        </p:nvSpPr>
+        <p:spPr>
+          <a:xfrm>
+            <a:off x="3369259" y="2857068"/>
+            <a:ext cx="5257800" cy="1890497"/>
+          </a:xfrm>
+        </p:spPr>
+        <p:txBody>
+          <a:bodyPr>
+            <a:normAutofit/>
+          </a:bodyPr>
+          <a:lstStyle/>
+          <a:p>
+            <a:pPr marL="0" indent="0">
+              <a:buNone/>
+            </a:pPr>
+            <a:r>
+              <a:rPr lang="en-IN" sz="7200" dirty="0"/>
+              <a:t>THANK YOU</a:t>
+            </a:r>
+          </a:p>
+        </p:txBody>
+      </p:sp>
+    </p:spTree>
+    <p:extLst>
+      <p:ext uri="{BB962C8B-B14F-4D97-AF65-F5344CB8AC3E}">
+        <p14:creationId xmlns:p14="http://schemas.microsoft.com/office/powerpoint/2010/main" val="131766901"/>
+      </p:ext>
+    </p:extLst>
+  </p:cSld>
+  <p:clrMapOvr>
+    <a:masterClrMapping/>
+  </p:clrMapOvr>
+</p:sld>
+</file>
+
 <file path=ppt/slides/slide2.xml><?xml version="1.0" encoding="utf-8"?>
 <p:sld xmlns:a="http://schemas.openxmlformats.org/drawingml/2006/main" xmlns:r="http://schemas.openxmlformats.org/officeDocument/2006/relationships" xmlns:p="http://schemas.openxmlformats.org/presentationml/2006/main">
   <p:cSld>
@@ -3842,45 +3912,36 @@
           </a:p>
         </p:txBody>
       </p:sp>
-      <p:sp>
-        <p:nvSpPr>
-          <p:cNvPr id="5" name="TextBox 4">
-            <a:extLst>
-              <a:ext uri="{FF2B5EF4-FFF2-40B4-BE49-F238E27FC236}">
-                <a16:creationId xmlns:a16="http://schemas.microsoft.com/office/drawing/2014/main" id="{63447B86-0662-6026-FB6C-A4CAD2B7CB38}"/>
-              </a:ext>
-            </a:extLst>
-          </p:cNvPr>
-          <p:cNvSpPr txBox="1"/>
+      <p:pic>
+        <p:nvPicPr>
+          <p:cNvPr id="6" name="Picture 5">
+            <a:extLst>
+              <a:ext uri="{FF2B5EF4-FFF2-40B4-BE49-F238E27FC236}">
+                <a16:creationId xmlns:a16="http://schemas.microsoft.com/office/drawing/2014/main" id="{06F88EB5-E3B9-215B-2598-997E755B8F10}"/>
+              </a:ext>
+            </a:extLst>
+          </p:cNvPr>
+          <p:cNvPicPr>
+            <a:picLocks noChangeAspect="1"/>
+          </p:cNvPicPr>
           <p:nvPr/>
-        </p:nvSpPr>
+        </p:nvPicPr>
+        <p:blipFill>
+          <a:blip r:embed="rId2"/>
+          <a:stretch>
+            <a:fillRect/>
+          </a:stretch>
+        </p:blipFill>
         <p:spPr>
           <a:xfrm>
-            <a:off x="1309421" y="2969163"/>
-            <a:ext cx="10044379" cy="1754326"/>
+            <a:off x="698222" y="3051059"/>
+            <a:ext cx="10795555" cy="1917799"/>
           </a:xfrm>
           <a:prstGeom prst="rect">
             <a:avLst/>
           </a:prstGeom>
-          <a:noFill/>
         </p:spPr>
-        <p:txBody>
-          <a:bodyPr wrap="square">
-            <a:spAutoFit/>
-          </a:bodyPr>
-          <a:lstStyle/>
-          <a:p>
-            <a:r>
-              <a:rPr lang="en-IN" sz="3600" dirty="0" err="1"/>
-              <a:t>wget</a:t>
-            </a:r>
-            <a:r>
-              <a:rPr lang="en-IN" sz="3600" dirty="0"/>
-              <a:t> https://www2.census.gov/programs-surveys/popest/datasets/2020-2023/cities/totals/sub-est2023_32.csv</a:t>
-            </a:r>
-          </a:p>
-        </p:txBody>
-      </p:sp>
+      </p:pic>
     </p:spTree>
     <p:extLst>
       <p:ext uri="{BB962C8B-B14F-4D97-AF65-F5344CB8AC3E}">
@@ -4221,46 +4282,165 @@
       </p:grpSpPr>
       <p:sp>
         <p:nvSpPr>
-          <p:cNvPr id="3" name="Content Placeholder 2">
-            <a:extLst>
-              <a:ext uri="{FF2B5EF4-FFF2-40B4-BE49-F238E27FC236}">
-                <a16:creationId xmlns:a16="http://schemas.microsoft.com/office/drawing/2014/main" id="{B1E4AEA9-4DBC-C5D2-4413-DD493EAF4BD3}"/>
-              </a:ext>
-            </a:extLst>
-          </p:cNvPr>
-          <p:cNvSpPr>
-            <a:spLocks noGrp="1"/>
-          </p:cNvSpPr>
-          <p:nvPr>
-            <p:ph idx="1"/>
-          </p:nvPr>
-        </p:nvSpPr>
-        <p:spPr>
-          <a:xfrm>
-            <a:off x="3369259" y="2857068"/>
-            <a:ext cx="5257800" cy="1890497"/>
-          </a:xfrm>
-        </p:spPr>
+          <p:cNvPr id="2" name="Title 1">
+            <a:extLst>
+              <a:ext uri="{FF2B5EF4-FFF2-40B4-BE49-F238E27FC236}">
+                <a16:creationId xmlns:a16="http://schemas.microsoft.com/office/drawing/2014/main" id="{273CBD8A-7AB7-BA3E-C1CA-D1175F625C5A}"/>
+              </a:ext>
+            </a:extLst>
+          </p:cNvPr>
+          <p:cNvSpPr>
+            <a:spLocks noGrp="1"/>
+          </p:cNvSpPr>
+          <p:nvPr>
+            <p:ph type="title"/>
+          </p:nvPr>
+        </p:nvSpPr>
+        <p:spPr/>
         <p:txBody>
           <a:bodyPr>
             <a:normAutofit/>
           </a:bodyPr>
           <a:lstStyle/>
           <a:p>
-            <a:pPr marL="0" indent="0">
-              <a:buNone/>
-            </a:pPr>
-            <a:r>
-              <a:rPr lang="en-IN" sz="7200" dirty="0"/>
-              <a:t>THANK YOU</a:t>
-            </a:r>
-          </a:p>
-        </p:txBody>
-      </p:sp>
+            <a:r>
+              <a:rPr lang="en-IN" sz="3600" b="1" dirty="0">
+                <a:latin typeface="Roboto" panose="02000000000000000000" pitchFamily="2" charset="0"/>
+                <a:ea typeface="Roboto" panose="02000000000000000000" pitchFamily="2" charset="0"/>
+                <a:cs typeface="Roboto" panose="02000000000000000000" pitchFamily="2" charset="0"/>
+              </a:rPr>
+              <a:t>AUTOMATE THE SCRIPT</a:t>
+            </a:r>
+          </a:p>
+        </p:txBody>
+      </p:sp>
+      <p:pic>
+        <p:nvPicPr>
+          <p:cNvPr id="5" name="Content Placeholder 4">
+            <a:extLst>
+              <a:ext uri="{FF2B5EF4-FFF2-40B4-BE49-F238E27FC236}">
+                <a16:creationId xmlns:a16="http://schemas.microsoft.com/office/drawing/2014/main" id="{48103262-2A47-FA0F-9925-173B5ADE9A18}"/>
+              </a:ext>
+            </a:extLst>
+          </p:cNvPr>
+          <p:cNvPicPr>
+            <a:picLocks noGrp="1" noChangeAspect="1"/>
+          </p:cNvPicPr>
+          <p:nvPr>
+            <p:ph idx="1"/>
+          </p:nvPr>
+        </p:nvPicPr>
+        <p:blipFill>
+          <a:blip r:embed="rId2"/>
+          <a:stretch>
+            <a:fillRect/>
+          </a:stretch>
+        </p:blipFill>
+        <p:spPr>
+          <a:xfrm>
+            <a:off x="1047573" y="1825625"/>
+            <a:ext cx="10096854" cy="4351338"/>
+          </a:xfrm>
+        </p:spPr>
+      </p:pic>
     </p:spTree>
     <p:extLst>
       <p:ext uri="{BB962C8B-B14F-4D97-AF65-F5344CB8AC3E}">
-        <p14:creationId xmlns:p14="http://schemas.microsoft.com/office/powerpoint/2010/main" val="131766901"/>
+        <p14:creationId xmlns:p14="http://schemas.microsoft.com/office/powerpoint/2010/main" val="2543330641"/>
+      </p:ext>
+    </p:extLst>
+  </p:cSld>
+  <p:clrMapOvr>
+    <a:masterClrMapping/>
+  </p:clrMapOvr>
+</p:sld>
+</file>
+
+<file path=ppt/slides/slide9.xml><?xml version="1.0" encoding="utf-8"?>
+<p:sld xmlns:a="http://schemas.openxmlformats.org/drawingml/2006/main" xmlns:r="http://schemas.openxmlformats.org/officeDocument/2006/relationships" xmlns:p="http://schemas.openxmlformats.org/presentationml/2006/main">
+  <p:cSld>
+    <p:spTree>
+      <p:nvGrpSpPr>
+        <p:cNvPr id="1" name=""/>
+        <p:cNvGrpSpPr/>
+        <p:nvPr/>
+      </p:nvGrpSpPr>
+      <p:grpSpPr>
+        <a:xfrm>
+          <a:off x="0" y="0"/>
+          <a:ext cx="0" cy="0"/>
+          <a:chOff x="0" y="0"/>
+          <a:chExt cx="0" cy="0"/>
+        </a:xfrm>
+      </p:grpSpPr>
+      <p:sp>
+        <p:nvSpPr>
+          <p:cNvPr id="2" name="Title 1">
+            <a:extLst>
+              <a:ext uri="{FF2B5EF4-FFF2-40B4-BE49-F238E27FC236}">
+                <a16:creationId xmlns:a16="http://schemas.microsoft.com/office/drawing/2014/main" id="{4074C807-4AB7-DFE2-C42D-BE0B646184B5}"/>
+              </a:ext>
+            </a:extLst>
+          </p:cNvPr>
+          <p:cNvSpPr>
+            <a:spLocks noGrp="1"/>
+          </p:cNvSpPr>
+          <p:nvPr>
+            <p:ph type="title"/>
+          </p:nvPr>
+        </p:nvSpPr>
+        <p:spPr/>
+        <p:txBody>
+          <a:bodyPr>
+            <a:normAutofit/>
+          </a:bodyPr>
+          <a:lstStyle/>
+          <a:p>
+            <a:r>
+              <a:rPr lang="en-IN" sz="3600" b="1" dirty="0">
+                <a:latin typeface="Roboto" panose="02000000000000000000" pitchFamily="2" charset="0"/>
+                <a:ea typeface="Roboto" panose="02000000000000000000" pitchFamily="2" charset="0"/>
+                <a:cs typeface="Roboto" panose="02000000000000000000" pitchFamily="2" charset="0"/>
+              </a:rPr>
+              <a:t>AUTOMATE THE SCRIPT</a:t>
+            </a:r>
+            <a:endParaRPr lang="en-IN" sz="3600" dirty="0"/>
+          </a:p>
+        </p:txBody>
+      </p:sp>
+      <p:pic>
+        <p:nvPicPr>
+          <p:cNvPr id="5" name="Content Placeholder 4">
+            <a:extLst>
+              <a:ext uri="{FF2B5EF4-FFF2-40B4-BE49-F238E27FC236}">
+                <a16:creationId xmlns:a16="http://schemas.microsoft.com/office/drawing/2014/main" id="{C1ABA36C-8EC5-431D-0BE2-8B0CAC782C23}"/>
+              </a:ext>
+            </a:extLst>
+          </p:cNvPr>
+          <p:cNvPicPr>
+            <a:picLocks noGrp="1" noChangeAspect="1"/>
+          </p:cNvPicPr>
+          <p:nvPr>
+            <p:ph idx="1"/>
+          </p:nvPr>
+        </p:nvPicPr>
+        <p:blipFill>
+          <a:blip r:embed="rId2"/>
+          <a:stretch>
+            <a:fillRect/>
+          </a:stretch>
+        </p:blipFill>
+        <p:spPr>
+          <a:xfrm>
+            <a:off x="838200" y="1882588"/>
+            <a:ext cx="10778003" cy="3625507"/>
+          </a:xfrm>
+        </p:spPr>
+      </p:pic>
+    </p:spTree>
+    <p:extLst>
+      <p:ext uri="{BB962C8B-B14F-4D97-AF65-F5344CB8AC3E}">
+        <p14:creationId xmlns:p14="http://schemas.microsoft.com/office/powerpoint/2010/main" val="310493914"/>
       </p:ext>
     </p:extLst>
   </p:cSld>
